--- a/Bank Loan Bot Presentation.pptx
+++ b/Bank Loan Bot Presentation.pptx
@@ -42,6 +42,7 @@
     <p:sldId id="291" r:id="rId36"/>
     <p:sldId id="290" r:id="rId37"/>
     <p:sldId id="292" r:id="rId38"/>
+    <p:sldId id="293" r:id="rId39"/>
   </p:sldIdLst>
   <p:sldSz cx="9144000" cy="6858000" type="screen4x3"/>
   <p:notesSz cx="6858000" cy="9144000"/>
@@ -254,7 +255,7 @@
           <a:p>
             <a:fld id="{412DAFC5-F2F0-45CA-8418-E95396447CAE}" type="datetimeFigureOut">
               <a:rPr lang="en-CA" smtClean="0"/>
-              <a:t>02/02/2021</a:t>
+              <a:t>06/02/2021</a:t>
             </a:fld>
             <a:endParaRPr lang="en-CA"/>
           </a:p>
@@ -480,7 +481,7 @@
           <a:p>
             <a:fld id="{412DAFC5-F2F0-45CA-8418-E95396447CAE}" type="datetimeFigureOut">
               <a:rPr lang="en-CA" smtClean="0"/>
-              <a:t>02/02/2021</a:t>
+              <a:t>06/02/2021</a:t>
             </a:fld>
             <a:endParaRPr lang="en-CA"/>
           </a:p>
@@ -655,7 +656,7 @@
           <a:p>
             <a:fld id="{412DAFC5-F2F0-45CA-8418-E95396447CAE}" type="datetimeFigureOut">
               <a:rPr lang="en-CA" smtClean="0"/>
-              <a:t>02/02/2021</a:t>
+              <a:t>06/02/2021</a:t>
             </a:fld>
             <a:endParaRPr lang="en-CA"/>
           </a:p>
@@ -820,7 +821,7 @@
           <a:p>
             <a:fld id="{412DAFC5-F2F0-45CA-8418-E95396447CAE}" type="datetimeFigureOut">
               <a:rPr lang="en-CA" smtClean="0"/>
-              <a:t>02/02/2021</a:t>
+              <a:t>06/02/2021</a:t>
             </a:fld>
             <a:endParaRPr lang="en-CA"/>
           </a:p>
@@ -1064,7 +1065,7 @@
           <a:p>
             <a:fld id="{412DAFC5-F2F0-45CA-8418-E95396447CAE}" type="datetimeFigureOut">
               <a:rPr lang="en-CA" smtClean="0"/>
-              <a:t>02/02/2021</a:t>
+              <a:t>06/02/2021</a:t>
             </a:fld>
             <a:endParaRPr lang="en-CA"/>
           </a:p>
@@ -1328,7 +1329,7 @@
           <a:p>
             <a:fld id="{412DAFC5-F2F0-45CA-8418-E95396447CAE}" type="datetimeFigureOut">
               <a:rPr lang="en-CA" smtClean="0"/>
-              <a:t>02/02/2021</a:t>
+              <a:t>06/02/2021</a:t>
             </a:fld>
             <a:endParaRPr lang="en-CA"/>
           </a:p>
@@ -1702,7 +1703,7 @@
           <a:p>
             <a:fld id="{412DAFC5-F2F0-45CA-8418-E95396447CAE}" type="datetimeFigureOut">
               <a:rPr lang="en-CA" smtClean="0"/>
-              <a:t>02/02/2021</a:t>
+              <a:t>06/02/2021</a:t>
             </a:fld>
             <a:endParaRPr lang="en-CA"/>
           </a:p>
@@ -1815,7 +1816,7 @@
           <a:p>
             <a:fld id="{412DAFC5-F2F0-45CA-8418-E95396447CAE}" type="datetimeFigureOut">
               <a:rPr lang="en-CA" smtClean="0"/>
-              <a:t>02/02/2021</a:t>
+              <a:t>06/02/2021</a:t>
             </a:fld>
             <a:endParaRPr lang="en-CA"/>
           </a:p>
@@ -1905,7 +1906,7 @@
           <a:p>
             <a:fld id="{412DAFC5-F2F0-45CA-8418-E95396447CAE}" type="datetimeFigureOut">
               <a:rPr lang="en-CA" smtClean="0"/>
-              <a:t>02/02/2021</a:t>
+              <a:t>06/02/2021</a:t>
             </a:fld>
             <a:endParaRPr lang="en-CA"/>
           </a:p>
@@ -2163,7 +2164,7 @@
           <a:p>
             <a:fld id="{412DAFC5-F2F0-45CA-8418-E95396447CAE}" type="datetimeFigureOut">
               <a:rPr lang="en-CA" smtClean="0"/>
-              <a:t>02/02/2021</a:t>
+              <a:t>06/02/2021</a:t>
             </a:fld>
             <a:endParaRPr lang="en-CA"/>
           </a:p>
@@ -2427,7 +2428,7 @@
           <a:p>
             <a:fld id="{412DAFC5-F2F0-45CA-8418-E95396447CAE}" type="datetimeFigureOut">
               <a:rPr lang="en-CA" smtClean="0"/>
-              <a:t>02/02/2021</a:t>
+              <a:t>06/02/2021</a:t>
             </a:fld>
             <a:endParaRPr lang="en-CA"/>
           </a:p>
@@ -2644,7 +2645,7 @@
           <a:p>
             <a:fld id="{412DAFC5-F2F0-45CA-8418-E95396447CAE}" type="datetimeFigureOut">
               <a:rPr lang="en-CA" smtClean="0"/>
-              <a:t>02/02/2021</a:t>
+              <a:t>06/02/2021</a:t>
             </a:fld>
             <a:endParaRPr lang="en-CA"/>
           </a:p>
@@ -4281,11 +4282,7 @@
           <a:p>
             <a:r>
               <a:rPr lang="en-CA" dirty="0" smtClean="0"/>
-              <a:t>3. Exploratory Data </a:t>
-            </a:r>
-            <a:r>
-              <a:rPr lang="en-CA" dirty="0" smtClean="0"/>
-              <a:t>Analysis</a:t>
+              <a:t>3. Exploratory Data Analysis</a:t>
             </a:r>
           </a:p>
           <a:p>
@@ -6141,7 +6138,7 @@
             <a:picLocks noGrp="1" noChangeAspect="1" noChangeArrowheads="1"/>
           </p:cNvPicPr>
           <p:nvPr>
-            <p:ph idx="1"/>
+            <p:ph sz="half" idx="1"/>
           </p:nvPr>
         </p:nvPicPr>
         <p:blipFill>
@@ -6152,15 +6149,14 @@
               </a:ext>
             </a:extLst>
           </a:blip>
-          <a:srcRect/>
           <a:stretch>
             <a:fillRect/>
           </a:stretch>
         </p:blipFill>
         <p:spPr bwMode="auto">
           <a:xfrm>
-            <a:off x="1628775" y="2220912"/>
-            <a:ext cx="5886450" cy="3467100"/>
+            <a:off x="457200" y="2348880"/>
+            <a:ext cx="4038600" cy="3384376"/>
           </a:xfrm>
           <a:prstGeom prst="rect">
             <a:avLst/>
@@ -6190,6 +6186,75 @@
           </a:extLst>
         </p:spPr>
       </p:pic>
+      <p:sp>
+        <p:nvSpPr>
+          <p:cNvPr id="3" name="Content Placeholder 2"/>
+          <p:cNvSpPr>
+            <a:spLocks noGrp="1"/>
+          </p:cNvSpPr>
+          <p:nvPr>
+            <p:ph sz="half" idx="2"/>
+          </p:nvPr>
+        </p:nvSpPr>
+        <p:spPr/>
+        <p:txBody>
+          <a:bodyPr>
+            <a:normAutofit/>
+          </a:bodyPr>
+          <a:lstStyle/>
+          <a:p>
+            <a:r>
+              <a:rPr lang="en-CA" sz="2000" dirty="0" smtClean="0"/>
+              <a:t>SHAP value is a contribution each </a:t>
+            </a:r>
+            <a:r>
+              <a:rPr lang="en-CA" sz="2000" dirty="0" err="1" smtClean="0"/>
+              <a:t>datapoint</a:t>
+            </a:r>
+            <a:r>
+              <a:rPr lang="en-CA" sz="2000" dirty="0" smtClean="0"/>
+              <a:t> is making in determining target variable.</a:t>
+            </a:r>
+          </a:p>
+          <a:p>
+            <a:pPr marL="137160" indent="0">
+              <a:buNone/>
+            </a:pPr>
+            <a:endParaRPr lang="en-CA" sz="2000" dirty="0" smtClean="0"/>
+          </a:p>
+          <a:p>
+            <a:r>
+              <a:rPr lang="en-CA" sz="2000" dirty="0" smtClean="0"/>
+              <a:t>Bad credit exhibits the most negative SHAP value.</a:t>
+            </a:r>
+          </a:p>
+          <a:p>
+            <a:pPr marL="137160" indent="0">
+              <a:buNone/>
+            </a:pPr>
+            <a:endParaRPr lang="en-CA" sz="2000" dirty="0" smtClean="0"/>
+          </a:p>
+          <a:p>
+            <a:r>
+              <a:rPr lang="en-CA" sz="2000" dirty="0" err="1" smtClean="0"/>
+              <a:t>Credit_History</a:t>
+            </a:r>
+            <a:r>
+              <a:rPr lang="en-CA" sz="2000" dirty="0" smtClean="0"/>
+              <a:t>, Married, Gender, Dependents and </a:t>
+            </a:r>
+            <a:r>
+              <a:rPr lang="en-CA" sz="2000" dirty="0" err="1" smtClean="0"/>
+              <a:t>LoanAmount</a:t>
+            </a:r>
+            <a:r>
+              <a:rPr lang="en-CA" sz="2000" dirty="0" smtClean="0"/>
+              <a:t> are the most important features.</a:t>
+            </a:r>
+            <a:endParaRPr lang="en-CA" sz="2000" dirty="0"/>
+          </a:p>
+        </p:txBody>
+      </p:sp>
     </p:spTree>
     <p:extLst>
       <p:ext uri="{BB962C8B-B14F-4D97-AF65-F5344CB8AC3E}">
@@ -6334,7 +6399,7 @@
             <a:picLocks noGrp="1" noChangeAspect="1" noChangeArrowheads="1"/>
           </p:cNvPicPr>
           <p:nvPr>
-            <p:ph idx="1"/>
+            <p:ph sz="half" idx="1"/>
           </p:nvPr>
         </p:nvPicPr>
         <p:blipFill>
@@ -6345,15 +6410,14 @@
               </a:ext>
             </a:extLst>
           </a:blip>
-          <a:srcRect/>
           <a:stretch>
             <a:fillRect/>
           </a:stretch>
         </p:blipFill>
         <p:spPr bwMode="auto">
           <a:xfrm>
-            <a:off x="1633537" y="2216150"/>
-            <a:ext cx="5876925" cy="3476625"/>
+            <a:off x="457200" y="2204864"/>
+            <a:ext cx="4038600" cy="3168352"/>
           </a:xfrm>
           <a:prstGeom prst="rect">
             <a:avLst/>
@@ -6383,10 +6447,200 @@
           </a:extLst>
         </p:spPr>
       </p:pic>
+      <p:sp>
+        <p:nvSpPr>
+          <p:cNvPr id="3" name="Content Placeholder 2"/>
+          <p:cNvSpPr>
+            <a:spLocks noGrp="1"/>
+          </p:cNvSpPr>
+          <p:nvPr>
+            <p:ph sz="half" idx="2"/>
+          </p:nvPr>
+        </p:nvSpPr>
+        <p:spPr/>
+        <p:txBody>
+          <a:bodyPr>
+            <a:normAutofit/>
+          </a:bodyPr>
+          <a:lstStyle/>
+          <a:p>
+            <a:r>
+              <a:rPr lang="en-CA" sz="2000" dirty="0" err="1" smtClean="0"/>
+              <a:t>Credit_History</a:t>
+            </a:r>
+            <a:r>
+              <a:rPr lang="en-CA" sz="2000" dirty="0" smtClean="0"/>
+              <a:t>, Married, </a:t>
+            </a:r>
+            <a:r>
+              <a:rPr lang="en-CA" sz="2000" dirty="0" err="1" smtClean="0"/>
+              <a:t>Loan_Amount_Term</a:t>
+            </a:r>
+            <a:r>
+              <a:rPr lang="en-CA" sz="2000" dirty="0" smtClean="0"/>
+              <a:t>, </a:t>
+            </a:r>
+            <a:r>
+              <a:rPr lang="en-CA" sz="2000" dirty="0" err="1" smtClean="0"/>
+              <a:t>Total_Income_bin</a:t>
+            </a:r>
+            <a:r>
+              <a:rPr lang="en-CA" sz="2000" dirty="0" smtClean="0"/>
+              <a:t>, </a:t>
+            </a:r>
+            <a:r>
+              <a:rPr lang="en-CA" sz="2000" dirty="0" err="1" smtClean="0"/>
+              <a:t>Loan_Amount</a:t>
+            </a:r>
+            <a:r>
+              <a:rPr lang="en-CA" sz="2000" dirty="0" smtClean="0"/>
+              <a:t> and </a:t>
+            </a:r>
+            <a:r>
+              <a:rPr lang="en-CA" sz="2000" dirty="0" err="1" smtClean="0"/>
+              <a:t>Property_Area</a:t>
+            </a:r>
+            <a:r>
+              <a:rPr lang="en-CA" sz="2000" dirty="0" smtClean="0"/>
+              <a:t> are the most important features – highest |SHAP value|.</a:t>
+            </a:r>
+          </a:p>
+          <a:p>
+            <a:r>
+              <a:rPr lang="en-CA" sz="2000" dirty="0" smtClean="0"/>
+              <a:t>Priority in features different to logistic regression.</a:t>
+            </a:r>
+            <a:endParaRPr lang="en-CA" sz="2000" dirty="0"/>
+          </a:p>
+        </p:txBody>
+      </p:sp>
     </p:spTree>
     <p:extLst>
       <p:ext uri="{BB962C8B-B14F-4D97-AF65-F5344CB8AC3E}">
         <p14:creationId xmlns:p14="http://schemas.microsoft.com/office/powerpoint/2010/main" val="775764223"/>
+      </p:ext>
+    </p:extLst>
+  </p:cSld>
+  <p:clrMapOvr>
+    <a:masterClrMapping/>
+  </p:clrMapOvr>
+</p:sld>
+</file>
+
+<file path=ppt/slides/slide38.xml><?xml version="1.0" encoding="utf-8"?>
+<p:sld xmlns:a="http://schemas.openxmlformats.org/drawingml/2006/main" xmlns:r="http://schemas.openxmlformats.org/officeDocument/2006/relationships" xmlns:p="http://schemas.openxmlformats.org/presentationml/2006/main">
+  <p:cSld>
+    <p:spTree>
+      <p:nvGrpSpPr>
+        <p:cNvPr id="1" name=""/>
+        <p:cNvGrpSpPr/>
+        <p:nvPr/>
+      </p:nvGrpSpPr>
+      <p:grpSpPr>
+        <a:xfrm>
+          <a:off x="0" y="0"/>
+          <a:ext cx="0" cy="0"/>
+          <a:chOff x="0" y="0"/>
+          <a:chExt cx="0" cy="0"/>
+        </a:xfrm>
+      </p:grpSpPr>
+      <p:sp>
+        <p:nvSpPr>
+          <p:cNvPr id="5" name="Title 4"/>
+          <p:cNvSpPr>
+            <a:spLocks noGrp="1"/>
+          </p:cNvSpPr>
+          <p:nvPr>
+            <p:ph type="title"/>
+          </p:nvPr>
+        </p:nvSpPr>
+        <p:spPr/>
+        <p:txBody>
+          <a:bodyPr>
+            <a:normAutofit fontScale="90000"/>
+          </a:bodyPr>
+          <a:lstStyle/>
+          <a:p>
+            <a:r>
+              <a:rPr lang="en-CA" dirty="0" smtClean="0"/>
+              <a:t>Project Improvement And Future Scope Of Work</a:t>
+            </a:r>
+            <a:endParaRPr lang="en-CA" dirty="0"/>
+          </a:p>
+        </p:txBody>
+      </p:sp>
+      <p:sp>
+        <p:nvSpPr>
+          <p:cNvPr id="6" name="Content Placeholder 5"/>
+          <p:cNvSpPr>
+            <a:spLocks noGrp="1"/>
+          </p:cNvSpPr>
+          <p:nvPr>
+            <p:ph idx="1"/>
+          </p:nvPr>
+        </p:nvSpPr>
+        <p:spPr/>
+        <p:txBody>
+          <a:bodyPr>
+            <a:normAutofit/>
+          </a:bodyPr>
+          <a:lstStyle/>
+          <a:p>
+            <a:r>
+              <a:rPr lang="en-CA" sz="2200" dirty="0" err="1" smtClean="0"/>
+              <a:t>Hypertuning</a:t>
+            </a:r>
+            <a:r>
+              <a:rPr lang="en-CA" sz="2200" dirty="0" smtClean="0"/>
+              <a:t> of the XG boost model so that it out performs the random forest.</a:t>
+            </a:r>
+          </a:p>
+          <a:p>
+            <a:pPr marL="137160" indent="0">
+              <a:buNone/>
+            </a:pPr>
+            <a:endParaRPr lang="en-CA" sz="2200" dirty="0" smtClean="0"/>
+          </a:p>
+          <a:p>
+            <a:r>
+              <a:rPr lang="en-CA" sz="2200" dirty="0" smtClean="0"/>
+              <a:t>Observe the SHAP values from XG boost and determine which way of prioritizing SHAP value emerges as truth in comparing random forest to logistic regression.</a:t>
+            </a:r>
+          </a:p>
+          <a:p>
+            <a:pPr marL="137160" indent="0">
+              <a:buNone/>
+            </a:pPr>
+            <a:endParaRPr lang="en-CA" sz="2200" dirty="0" smtClean="0"/>
+          </a:p>
+          <a:p>
+            <a:r>
+              <a:rPr lang="en-CA" sz="2200" dirty="0" smtClean="0"/>
+              <a:t>Create a new project with present data like this one and find out how things have changed. </a:t>
+            </a:r>
+          </a:p>
+          <a:p>
+            <a:pPr lvl="1"/>
+            <a:r>
+              <a:rPr lang="en-CA" sz="1800"/>
+              <a:t>I</a:t>
+            </a:r>
+            <a:r>
+              <a:rPr lang="en-CA" sz="1800" smtClean="0"/>
+              <a:t>s </a:t>
+            </a:r>
+            <a:r>
+              <a:rPr lang="en-CA" sz="1800" dirty="0" smtClean="0"/>
+              <a:t>there still a gender discrepancy?  Is credit history as important as it was? Are there other features that can indicate measurements today’s features of interest like capacity and character.</a:t>
+            </a:r>
+            <a:endParaRPr lang="en-CA" sz="1800" dirty="0"/>
+          </a:p>
+        </p:txBody>
+      </p:sp>
+    </p:spTree>
+    <p:extLst>
+      <p:ext uri="{BB962C8B-B14F-4D97-AF65-F5344CB8AC3E}">
+        <p14:creationId xmlns:p14="http://schemas.microsoft.com/office/powerpoint/2010/main" val="3334253116"/>
       </p:ext>
     </p:extLst>
   </p:cSld>

--- a/Bank Loan Bot Presentation.pptx
+++ b/Bank Loan Bot Presentation.pptx
@@ -42,7 +42,8 @@
     <p:sldId id="291" r:id="rId36"/>
     <p:sldId id="290" r:id="rId37"/>
     <p:sldId id="292" r:id="rId38"/>
-    <p:sldId id="293" r:id="rId39"/>
+    <p:sldId id="294" r:id="rId39"/>
+    <p:sldId id="293" r:id="rId40"/>
   </p:sldIdLst>
   <p:sldSz cx="9144000" cy="6858000" type="screen4x3"/>
   <p:notesSz cx="6858000" cy="9144000"/>
@@ -255,7 +256,7 @@
           <a:p>
             <a:fld id="{412DAFC5-F2F0-45CA-8418-E95396447CAE}" type="datetimeFigureOut">
               <a:rPr lang="en-CA" smtClean="0"/>
-              <a:t>06/02/2021</a:t>
+              <a:t>08/02/2021</a:t>
             </a:fld>
             <a:endParaRPr lang="en-CA"/>
           </a:p>
@@ -481,7 +482,7 @@
           <a:p>
             <a:fld id="{412DAFC5-F2F0-45CA-8418-E95396447CAE}" type="datetimeFigureOut">
               <a:rPr lang="en-CA" smtClean="0"/>
-              <a:t>06/02/2021</a:t>
+              <a:t>08/02/2021</a:t>
             </a:fld>
             <a:endParaRPr lang="en-CA"/>
           </a:p>
@@ -656,7 +657,7 @@
           <a:p>
             <a:fld id="{412DAFC5-F2F0-45CA-8418-E95396447CAE}" type="datetimeFigureOut">
               <a:rPr lang="en-CA" smtClean="0"/>
-              <a:t>06/02/2021</a:t>
+              <a:t>08/02/2021</a:t>
             </a:fld>
             <a:endParaRPr lang="en-CA"/>
           </a:p>
@@ -821,7 +822,7 @@
           <a:p>
             <a:fld id="{412DAFC5-F2F0-45CA-8418-E95396447CAE}" type="datetimeFigureOut">
               <a:rPr lang="en-CA" smtClean="0"/>
-              <a:t>06/02/2021</a:t>
+              <a:t>08/02/2021</a:t>
             </a:fld>
             <a:endParaRPr lang="en-CA"/>
           </a:p>
@@ -1065,7 +1066,7 @@
           <a:p>
             <a:fld id="{412DAFC5-F2F0-45CA-8418-E95396447CAE}" type="datetimeFigureOut">
               <a:rPr lang="en-CA" smtClean="0"/>
-              <a:t>06/02/2021</a:t>
+              <a:t>08/02/2021</a:t>
             </a:fld>
             <a:endParaRPr lang="en-CA"/>
           </a:p>
@@ -1329,7 +1330,7 @@
           <a:p>
             <a:fld id="{412DAFC5-F2F0-45CA-8418-E95396447CAE}" type="datetimeFigureOut">
               <a:rPr lang="en-CA" smtClean="0"/>
-              <a:t>06/02/2021</a:t>
+              <a:t>08/02/2021</a:t>
             </a:fld>
             <a:endParaRPr lang="en-CA"/>
           </a:p>
@@ -1703,7 +1704,7 @@
           <a:p>
             <a:fld id="{412DAFC5-F2F0-45CA-8418-E95396447CAE}" type="datetimeFigureOut">
               <a:rPr lang="en-CA" smtClean="0"/>
-              <a:t>06/02/2021</a:t>
+              <a:t>08/02/2021</a:t>
             </a:fld>
             <a:endParaRPr lang="en-CA"/>
           </a:p>
@@ -1816,7 +1817,7 @@
           <a:p>
             <a:fld id="{412DAFC5-F2F0-45CA-8418-E95396447CAE}" type="datetimeFigureOut">
               <a:rPr lang="en-CA" smtClean="0"/>
-              <a:t>06/02/2021</a:t>
+              <a:t>08/02/2021</a:t>
             </a:fld>
             <a:endParaRPr lang="en-CA"/>
           </a:p>
@@ -1906,7 +1907,7 @@
           <a:p>
             <a:fld id="{412DAFC5-F2F0-45CA-8418-E95396447CAE}" type="datetimeFigureOut">
               <a:rPr lang="en-CA" smtClean="0"/>
-              <a:t>06/02/2021</a:t>
+              <a:t>08/02/2021</a:t>
             </a:fld>
             <a:endParaRPr lang="en-CA"/>
           </a:p>
@@ -2164,7 +2165,7 @@
           <a:p>
             <a:fld id="{412DAFC5-F2F0-45CA-8418-E95396447CAE}" type="datetimeFigureOut">
               <a:rPr lang="en-CA" smtClean="0"/>
-              <a:t>06/02/2021</a:t>
+              <a:t>08/02/2021</a:t>
             </a:fld>
             <a:endParaRPr lang="en-CA"/>
           </a:p>
@@ -2428,7 +2429,7 @@
           <a:p>
             <a:fld id="{412DAFC5-F2F0-45CA-8418-E95396447CAE}" type="datetimeFigureOut">
               <a:rPr lang="en-CA" smtClean="0"/>
-              <a:t>06/02/2021</a:t>
+              <a:t>08/02/2021</a:t>
             </a:fld>
             <a:endParaRPr lang="en-CA"/>
           </a:p>
@@ -2645,7 +2646,7 @@
           <a:p>
             <a:fld id="{412DAFC5-F2F0-45CA-8418-E95396447CAE}" type="datetimeFigureOut">
               <a:rPr lang="en-CA" smtClean="0"/>
-              <a:t>06/02/2021</a:t>
+              <a:t>08/02/2021</a:t>
             </a:fld>
             <a:endParaRPr lang="en-CA"/>
           </a:p>
@@ -6528,6 +6529,177 @@
 </file>
 
 <file path=ppt/slides/slide38.xml><?xml version="1.0" encoding="utf-8"?>
+<p:sld xmlns:a="http://schemas.openxmlformats.org/drawingml/2006/main" xmlns:r="http://schemas.openxmlformats.org/officeDocument/2006/relationships" xmlns:p="http://schemas.openxmlformats.org/presentationml/2006/main">
+  <p:cSld>
+    <p:spTree>
+      <p:nvGrpSpPr>
+        <p:cNvPr id="1" name=""/>
+        <p:cNvGrpSpPr/>
+        <p:nvPr/>
+      </p:nvGrpSpPr>
+      <p:grpSpPr>
+        <a:xfrm>
+          <a:off x="0" y="0"/>
+          <a:ext cx="0" cy="0"/>
+          <a:chOff x="0" y="0"/>
+          <a:chExt cx="0" cy="0"/>
+        </a:xfrm>
+      </p:grpSpPr>
+      <p:sp>
+        <p:nvSpPr>
+          <p:cNvPr id="5" name="Title 4"/>
+          <p:cNvSpPr>
+            <a:spLocks noGrp="1"/>
+          </p:cNvSpPr>
+          <p:nvPr>
+            <p:ph type="title"/>
+          </p:nvPr>
+        </p:nvSpPr>
+        <p:spPr/>
+        <p:txBody>
+          <a:bodyPr/>
+          <a:lstStyle/>
+          <a:p>
+            <a:r>
+              <a:rPr lang="en-CA" dirty="0" smtClean="0"/>
+              <a:t>The Most Important Variables</a:t>
+            </a:r>
+            <a:endParaRPr lang="en-CA" dirty="0"/>
+          </a:p>
+        </p:txBody>
+      </p:sp>
+      <p:sp>
+        <p:nvSpPr>
+          <p:cNvPr id="6" name="Content Placeholder 5"/>
+          <p:cNvSpPr>
+            <a:spLocks noGrp="1"/>
+          </p:cNvSpPr>
+          <p:nvPr>
+            <p:ph idx="1"/>
+          </p:nvPr>
+        </p:nvSpPr>
+        <p:spPr/>
+        <p:txBody>
+          <a:bodyPr>
+            <a:normAutofit/>
+          </a:bodyPr>
+          <a:lstStyle/>
+          <a:p>
+            <a:r>
+              <a:rPr lang="en-CA" sz="2000" dirty="0" smtClean="0"/>
+              <a:t>Credit History is by far the most important for the two models.</a:t>
+            </a:r>
+          </a:p>
+          <a:p>
+            <a:pPr lvl="1"/>
+            <a:r>
+              <a:rPr lang="en-CA" sz="1600" dirty="0" smtClean="0"/>
+              <a:t>Banks place more importance on features indicating an applicant’s will to pay back a loan as opposed to whether they can.</a:t>
+            </a:r>
+          </a:p>
+          <a:p>
+            <a:r>
+              <a:rPr lang="en-CA" sz="2000" dirty="0" smtClean="0"/>
+              <a:t>Married is important because it indicates an applicant’s stability.</a:t>
+            </a:r>
+            <a:endParaRPr lang="en-CA" sz="2000" dirty="0"/>
+          </a:p>
+          <a:p>
+            <a:pPr lvl="1"/>
+            <a:r>
+              <a:rPr lang="en-CA" sz="1600" dirty="0" smtClean="0"/>
+              <a:t>Applicants who are more stable are lower risk.</a:t>
+            </a:r>
+          </a:p>
+          <a:p>
+            <a:r>
+              <a:rPr lang="en-CA" sz="2000" dirty="0" smtClean="0"/>
+              <a:t>Gender is biased based on distribution</a:t>
+            </a:r>
+            <a:endParaRPr lang="en-CA" sz="2000" dirty="0"/>
+          </a:p>
+          <a:p>
+            <a:pPr lvl="1"/>
+            <a:r>
+              <a:rPr lang="en-CA" sz="1600" dirty="0" smtClean="0"/>
+              <a:t>4:1 Applicants are male to female respectively.  Therefore there are likely more false positives that are male applicants.</a:t>
+            </a:r>
+          </a:p>
+          <a:p>
+            <a:r>
+              <a:rPr lang="en-CA" sz="2000" dirty="0" err="1" smtClean="0"/>
+              <a:t>LoanAmount</a:t>
+            </a:r>
+            <a:r>
+              <a:rPr lang="en-CA" sz="2000" dirty="0" smtClean="0"/>
+              <a:t> important to banks.</a:t>
+            </a:r>
+            <a:endParaRPr lang="en-CA" sz="2000" dirty="0"/>
+          </a:p>
+          <a:p>
+            <a:pPr lvl="1"/>
+            <a:r>
+              <a:rPr lang="en-CA" sz="1600" dirty="0" smtClean="0"/>
+              <a:t>Applicants with lower asking amounts (because they’re buying cheaper property, which may show up in the property Area feature) are lower risk.</a:t>
+            </a:r>
+          </a:p>
+          <a:p>
+            <a:r>
+              <a:rPr lang="en-CA" sz="2000" dirty="0" smtClean="0"/>
+              <a:t>Total Income Bin is important in random forest.</a:t>
+            </a:r>
+            <a:endParaRPr lang="en-CA" sz="2000" dirty="0"/>
+          </a:p>
+          <a:p>
+            <a:pPr lvl="1"/>
+            <a:r>
+              <a:rPr lang="en-CA" sz="1600" dirty="0" smtClean="0"/>
+              <a:t>As shown in the EDA, applicants with low total income are higher risk due to lower capacity to pay back a </a:t>
+            </a:r>
+            <a:r>
+              <a:rPr lang="en-CA" sz="1600" smtClean="0"/>
+              <a:t>loan.</a:t>
+            </a:r>
+            <a:endParaRPr lang="en-CA" sz="1600" dirty="0"/>
+          </a:p>
+          <a:p>
+            <a:pPr lvl="1"/>
+            <a:endParaRPr lang="en-CA" sz="1600" dirty="0"/>
+          </a:p>
+          <a:p>
+            <a:pPr lvl="1"/>
+            <a:endParaRPr lang="en-CA" sz="1600" dirty="0"/>
+          </a:p>
+          <a:p>
+            <a:pPr marL="585216" lvl="1" indent="0">
+              <a:buNone/>
+            </a:pPr>
+            <a:endParaRPr lang="en-CA" sz="1600" dirty="0" smtClean="0"/>
+          </a:p>
+          <a:p>
+            <a:pPr lvl="1"/>
+            <a:endParaRPr lang="en-CA" sz="1600" dirty="0"/>
+          </a:p>
+          <a:p>
+            <a:pPr lvl="1"/>
+            <a:endParaRPr lang="en-CA" sz="1600" dirty="0" smtClean="0"/>
+          </a:p>
+        </p:txBody>
+      </p:sp>
+    </p:spTree>
+    <p:extLst>
+      <p:ext uri="{BB962C8B-B14F-4D97-AF65-F5344CB8AC3E}">
+        <p14:creationId xmlns:p14="http://schemas.microsoft.com/office/powerpoint/2010/main" val="2969979595"/>
+      </p:ext>
+    </p:extLst>
+  </p:cSld>
+  <p:clrMapOvr>
+    <a:masterClrMapping/>
+  </p:clrMapOvr>
+</p:sld>
+</file>
+
+<file path=ppt/slides/slide39.xml><?xml version="1.0" encoding="utf-8"?>
 <p:sld xmlns:a="http://schemas.openxmlformats.org/drawingml/2006/main" xmlns:r="http://schemas.openxmlformats.org/officeDocument/2006/relationships" xmlns:p="http://schemas.openxmlformats.org/presentationml/2006/main">
   <p:cSld>
     <p:spTree>
